--- a/screenShot/ARNMPIC.pptx
+++ b/screenShot/ARNMPIC.pptx
@@ -1,13 +1,13 @@
 
 <file path=ppt/presentation.xml><?xml version="1.0" encoding="utf-8"?>
-<p:presentation xmlns:a="http://schemas.openxmlformats.org/drawingml/2006/main" xmlns:r="http://schemas.openxmlformats.org/officeDocument/2006/relationships" xmlns:p="http://schemas.openxmlformats.org/presentationml/2006/main" saveSubsetFonts="1">
+<p:presentation xmlns:a="http://schemas.openxmlformats.org/drawingml/2006/main" xmlns:r="http://schemas.openxmlformats.org/officeDocument/2006/relationships" xmlns:p="http://schemas.openxmlformats.org/presentationml/2006/main">
   <p:sldMasterIdLst>
-    <p:sldMasterId id="2147483672" r:id="rId1"/>
+    <p:sldMasterId id="2147483648" r:id="rId1"/>
   </p:sldMasterIdLst>
   <p:sldIdLst>
-    <p:sldId id="257" r:id="rId2"/>
+    <p:sldId id="257" r:id="rId3"/>
   </p:sldIdLst>
-  <p:sldSz cx="14400213" cy="6858000"/>
+  <p:sldSz cx="14399895" cy="6858000"/>
   <p:notesSz cx="6858000" cy="9144000"/>
   <p:defaultTextStyle>
     <a:defPPr>
@@ -104,11 +104,6 @@
       </a:defRPr>
     </a:lvl9pPr>
   </p:defaultTextStyle>
-  <p:extLst>
-    <p:ext uri="{EFAFB233-063F-42B5-8137-9DF3F51BA10A}">
-      <p15:sldGuideLst xmlns:p15="http://schemas.microsoft.com/office/powerpoint/2012/main"/>
-    </p:ext>
-  </p:extLst>
 </p:presentation>
 </file>
 
@@ -243,7 +238,6 @@
           <a:p>
             <a:fld id="{1F3E941B-BA81-4403-97EC-52AE1F9F750A}" type="datetimeFigureOut">
               <a:rPr lang="zh-CN" altLang="en-US" smtClean="0"/>
-              <a:t>2023/2/8</a:t>
             </a:fld>
             <a:endParaRPr lang="zh-CN" altLang="en-US"/>
           </a:p>
@@ -285,18 +279,12 @@
           <a:p>
             <a:fld id="{7338282E-2EA7-45A9-ACCE-7B37E62BBD30}" type="slidenum">
               <a:rPr lang="zh-CN" altLang="en-US" smtClean="0"/>
-              <a:t>‹#›</a:t>
             </a:fld>
             <a:endParaRPr lang="zh-CN" altLang="en-US"/>
           </a:p>
         </p:txBody>
       </p:sp>
     </p:spTree>
-    <p:extLst>
-      <p:ext uri="{BB962C8B-B14F-4D97-AF65-F5344CB8AC3E}">
-        <p14:creationId xmlns:p14="http://schemas.microsoft.com/office/powerpoint/2010/main" val="4067468392"/>
-      </p:ext>
-    </p:extLst>
   </p:cSld>
   <p:clrMapOvr>
     <a:masterClrMapping/>
@@ -364,6 +352,7 @@
               <a:rPr lang="zh-CN" altLang="en-US"/>
               <a:t>单击此处编辑母版文本样式</a:t>
             </a:r>
+            <a:endParaRPr lang="zh-CN" altLang="en-US"/>
           </a:p>
           <a:p>
             <a:pPr lvl="1"/>
@@ -371,6 +360,7 @@
               <a:rPr lang="zh-CN" altLang="en-US"/>
               <a:t>二级</a:t>
             </a:r>
+            <a:endParaRPr lang="zh-CN" altLang="en-US"/>
           </a:p>
           <a:p>
             <a:pPr lvl="2"/>
@@ -378,6 +368,7 @@
               <a:rPr lang="zh-CN" altLang="en-US"/>
               <a:t>三级</a:t>
             </a:r>
+            <a:endParaRPr lang="zh-CN" altLang="en-US"/>
           </a:p>
           <a:p>
             <a:pPr lvl="3"/>
@@ -385,6 +376,7 @@
               <a:rPr lang="zh-CN" altLang="en-US"/>
               <a:t>四级</a:t>
             </a:r>
+            <a:endParaRPr lang="zh-CN" altLang="en-US"/>
           </a:p>
           <a:p>
             <a:pPr lvl="4"/>
@@ -413,7 +405,6 @@
           <a:p>
             <a:fld id="{1F3E941B-BA81-4403-97EC-52AE1F9F750A}" type="datetimeFigureOut">
               <a:rPr lang="zh-CN" altLang="en-US" smtClean="0"/>
-              <a:t>2023/2/8</a:t>
             </a:fld>
             <a:endParaRPr lang="zh-CN" altLang="en-US"/>
           </a:p>
@@ -455,18 +446,12 @@
           <a:p>
             <a:fld id="{7338282E-2EA7-45A9-ACCE-7B37E62BBD30}" type="slidenum">
               <a:rPr lang="zh-CN" altLang="en-US" smtClean="0"/>
-              <a:t>‹#›</a:t>
             </a:fld>
             <a:endParaRPr lang="zh-CN" altLang="en-US"/>
           </a:p>
         </p:txBody>
       </p:sp>
     </p:spTree>
-    <p:extLst>
-      <p:ext uri="{BB962C8B-B14F-4D97-AF65-F5344CB8AC3E}">
-        <p14:creationId xmlns:p14="http://schemas.microsoft.com/office/powerpoint/2010/main" val="1807511875"/>
-      </p:ext>
-    </p:extLst>
   </p:cSld>
   <p:clrMapOvr>
     <a:masterClrMapping/>
@@ -544,6 +529,7 @@
               <a:rPr lang="zh-CN" altLang="en-US"/>
               <a:t>单击此处编辑母版文本样式</a:t>
             </a:r>
+            <a:endParaRPr lang="zh-CN" altLang="en-US"/>
           </a:p>
           <a:p>
             <a:pPr lvl="1"/>
@@ -551,6 +537,7 @@
               <a:rPr lang="zh-CN" altLang="en-US"/>
               <a:t>二级</a:t>
             </a:r>
+            <a:endParaRPr lang="zh-CN" altLang="en-US"/>
           </a:p>
           <a:p>
             <a:pPr lvl="2"/>
@@ -558,6 +545,7 @@
               <a:rPr lang="zh-CN" altLang="en-US"/>
               <a:t>三级</a:t>
             </a:r>
+            <a:endParaRPr lang="zh-CN" altLang="en-US"/>
           </a:p>
           <a:p>
             <a:pPr lvl="3"/>
@@ -565,6 +553,7 @@
               <a:rPr lang="zh-CN" altLang="en-US"/>
               <a:t>四级</a:t>
             </a:r>
+            <a:endParaRPr lang="zh-CN" altLang="en-US"/>
           </a:p>
           <a:p>
             <a:pPr lvl="4"/>
@@ -593,7 +582,6 @@
           <a:p>
             <a:fld id="{1F3E941B-BA81-4403-97EC-52AE1F9F750A}" type="datetimeFigureOut">
               <a:rPr lang="zh-CN" altLang="en-US" smtClean="0"/>
-              <a:t>2023/2/8</a:t>
             </a:fld>
             <a:endParaRPr lang="zh-CN" altLang="en-US"/>
           </a:p>
@@ -635,18 +623,12 @@
           <a:p>
             <a:fld id="{7338282E-2EA7-45A9-ACCE-7B37E62BBD30}" type="slidenum">
               <a:rPr lang="zh-CN" altLang="en-US" smtClean="0"/>
-              <a:t>‹#›</a:t>
             </a:fld>
             <a:endParaRPr lang="zh-CN" altLang="en-US"/>
           </a:p>
         </p:txBody>
       </p:sp>
     </p:spTree>
-    <p:extLst>
-      <p:ext uri="{BB962C8B-B14F-4D97-AF65-F5344CB8AC3E}">
-        <p14:creationId xmlns:p14="http://schemas.microsoft.com/office/powerpoint/2010/main" val="564071647"/>
-      </p:ext>
-    </p:extLst>
   </p:cSld>
   <p:clrMapOvr>
     <a:masterClrMapping/>
@@ -714,6 +696,7 @@
               <a:rPr lang="zh-CN" altLang="en-US"/>
               <a:t>单击此处编辑母版文本样式</a:t>
             </a:r>
+            <a:endParaRPr lang="zh-CN" altLang="en-US"/>
           </a:p>
           <a:p>
             <a:pPr lvl="1"/>
@@ -721,6 +704,7 @@
               <a:rPr lang="zh-CN" altLang="en-US"/>
               <a:t>二级</a:t>
             </a:r>
+            <a:endParaRPr lang="zh-CN" altLang="en-US"/>
           </a:p>
           <a:p>
             <a:pPr lvl="2"/>
@@ -728,6 +712,7 @@
               <a:rPr lang="zh-CN" altLang="en-US"/>
               <a:t>三级</a:t>
             </a:r>
+            <a:endParaRPr lang="zh-CN" altLang="en-US"/>
           </a:p>
           <a:p>
             <a:pPr lvl="3"/>
@@ -735,6 +720,7 @@
               <a:rPr lang="zh-CN" altLang="en-US"/>
               <a:t>四级</a:t>
             </a:r>
+            <a:endParaRPr lang="zh-CN" altLang="en-US"/>
           </a:p>
           <a:p>
             <a:pPr lvl="4"/>
@@ -763,7 +749,6 @@
           <a:p>
             <a:fld id="{1F3E941B-BA81-4403-97EC-52AE1F9F750A}" type="datetimeFigureOut">
               <a:rPr lang="zh-CN" altLang="en-US" smtClean="0"/>
-              <a:t>2023/2/8</a:t>
             </a:fld>
             <a:endParaRPr lang="zh-CN" altLang="en-US"/>
           </a:p>
@@ -805,18 +790,12 @@
           <a:p>
             <a:fld id="{7338282E-2EA7-45A9-ACCE-7B37E62BBD30}" type="slidenum">
               <a:rPr lang="zh-CN" altLang="en-US" smtClean="0"/>
-              <a:t>‹#›</a:t>
             </a:fld>
             <a:endParaRPr lang="zh-CN" altLang="en-US"/>
           </a:p>
         </p:txBody>
       </p:sp>
     </p:spTree>
-    <p:extLst>
-      <p:ext uri="{BB962C8B-B14F-4D97-AF65-F5344CB8AC3E}">
-        <p14:creationId xmlns:p14="http://schemas.microsoft.com/office/powerpoint/2010/main" val="2268463407"/>
-      </p:ext>
-    </p:extLst>
   </p:cSld>
   <p:clrMapOvr>
     <a:masterClrMapping/>
@@ -989,6 +968,7 @@
               <a:rPr lang="zh-CN" altLang="en-US"/>
               <a:t>单击此处编辑母版文本样式</a:t>
             </a:r>
+            <a:endParaRPr lang="zh-CN" altLang="en-US"/>
           </a:p>
         </p:txBody>
       </p:sp>
@@ -1009,7 +989,6 @@
           <a:p>
             <a:fld id="{1F3E941B-BA81-4403-97EC-52AE1F9F750A}" type="datetimeFigureOut">
               <a:rPr lang="zh-CN" altLang="en-US" smtClean="0"/>
-              <a:t>2023/2/8</a:t>
             </a:fld>
             <a:endParaRPr lang="zh-CN" altLang="en-US"/>
           </a:p>
@@ -1051,18 +1030,12 @@
           <a:p>
             <a:fld id="{7338282E-2EA7-45A9-ACCE-7B37E62BBD30}" type="slidenum">
               <a:rPr lang="zh-CN" altLang="en-US" smtClean="0"/>
-              <a:t>‹#›</a:t>
             </a:fld>
             <a:endParaRPr lang="zh-CN" altLang="en-US"/>
           </a:p>
         </p:txBody>
       </p:sp>
     </p:spTree>
-    <p:extLst>
-      <p:ext uri="{BB962C8B-B14F-4D97-AF65-F5344CB8AC3E}">
-        <p14:creationId xmlns:p14="http://schemas.microsoft.com/office/powerpoint/2010/main" val="1050906872"/>
-      </p:ext>
-    </p:extLst>
   </p:cSld>
   <p:clrMapOvr>
     <a:masterClrMapping/>
@@ -1135,6 +1108,7 @@
               <a:rPr lang="zh-CN" altLang="en-US"/>
               <a:t>单击此处编辑母版文本样式</a:t>
             </a:r>
+            <a:endParaRPr lang="zh-CN" altLang="en-US"/>
           </a:p>
           <a:p>
             <a:pPr lvl="1"/>
@@ -1142,6 +1116,7 @@
               <a:rPr lang="zh-CN" altLang="en-US"/>
               <a:t>二级</a:t>
             </a:r>
+            <a:endParaRPr lang="zh-CN" altLang="en-US"/>
           </a:p>
           <a:p>
             <a:pPr lvl="2"/>
@@ -1149,6 +1124,7 @@
               <a:rPr lang="zh-CN" altLang="en-US"/>
               <a:t>三级</a:t>
             </a:r>
+            <a:endParaRPr lang="zh-CN" altLang="en-US"/>
           </a:p>
           <a:p>
             <a:pPr lvl="3"/>
@@ -1156,6 +1132,7 @@
               <a:rPr lang="zh-CN" altLang="en-US"/>
               <a:t>四级</a:t>
             </a:r>
+            <a:endParaRPr lang="zh-CN" altLang="en-US"/>
           </a:p>
           <a:p>
             <a:pPr lvl="4"/>
@@ -1192,6 +1169,7 @@
               <a:rPr lang="zh-CN" altLang="en-US"/>
               <a:t>单击此处编辑母版文本样式</a:t>
             </a:r>
+            <a:endParaRPr lang="zh-CN" altLang="en-US"/>
           </a:p>
           <a:p>
             <a:pPr lvl="1"/>
@@ -1199,6 +1177,7 @@
               <a:rPr lang="zh-CN" altLang="en-US"/>
               <a:t>二级</a:t>
             </a:r>
+            <a:endParaRPr lang="zh-CN" altLang="en-US"/>
           </a:p>
           <a:p>
             <a:pPr lvl="2"/>
@@ -1206,6 +1185,7 @@
               <a:rPr lang="zh-CN" altLang="en-US"/>
               <a:t>三级</a:t>
             </a:r>
+            <a:endParaRPr lang="zh-CN" altLang="en-US"/>
           </a:p>
           <a:p>
             <a:pPr lvl="3"/>
@@ -1213,6 +1193,7 @@
               <a:rPr lang="zh-CN" altLang="en-US"/>
               <a:t>四级</a:t>
             </a:r>
+            <a:endParaRPr lang="zh-CN" altLang="en-US"/>
           </a:p>
           <a:p>
             <a:pPr lvl="4"/>
@@ -1241,7 +1222,6 @@
           <a:p>
             <a:fld id="{1F3E941B-BA81-4403-97EC-52AE1F9F750A}" type="datetimeFigureOut">
               <a:rPr lang="zh-CN" altLang="en-US" smtClean="0"/>
-              <a:t>2023/2/8</a:t>
             </a:fld>
             <a:endParaRPr lang="zh-CN" altLang="en-US"/>
           </a:p>
@@ -1283,18 +1263,12 @@
           <a:p>
             <a:fld id="{7338282E-2EA7-45A9-ACCE-7B37E62BBD30}" type="slidenum">
               <a:rPr lang="zh-CN" altLang="en-US" smtClean="0"/>
-              <a:t>‹#›</a:t>
             </a:fld>
             <a:endParaRPr lang="zh-CN" altLang="en-US"/>
           </a:p>
         </p:txBody>
       </p:sp>
     </p:spTree>
-    <p:extLst>
-      <p:ext uri="{BB962C8B-B14F-4D97-AF65-F5344CB8AC3E}">
-        <p14:creationId xmlns:p14="http://schemas.microsoft.com/office/powerpoint/2010/main" val="249999563"/>
-      </p:ext>
-    </p:extLst>
   </p:cSld>
   <p:clrMapOvr>
     <a:masterClrMapping/>
@@ -1409,6 +1383,7 @@
               <a:rPr lang="zh-CN" altLang="en-US"/>
               <a:t>单击此处编辑母版文本样式</a:t>
             </a:r>
+            <a:endParaRPr lang="zh-CN" altLang="en-US"/>
           </a:p>
         </p:txBody>
       </p:sp>
@@ -1437,6 +1412,7 @@
               <a:rPr lang="zh-CN" altLang="en-US"/>
               <a:t>单击此处编辑母版文本样式</a:t>
             </a:r>
+            <a:endParaRPr lang="zh-CN" altLang="en-US"/>
           </a:p>
           <a:p>
             <a:pPr lvl="1"/>
@@ -1444,6 +1420,7 @@
               <a:rPr lang="zh-CN" altLang="en-US"/>
               <a:t>二级</a:t>
             </a:r>
+            <a:endParaRPr lang="zh-CN" altLang="en-US"/>
           </a:p>
           <a:p>
             <a:pPr lvl="2"/>
@@ -1451,6 +1428,7 @@
               <a:rPr lang="zh-CN" altLang="en-US"/>
               <a:t>三级</a:t>
             </a:r>
+            <a:endParaRPr lang="zh-CN" altLang="en-US"/>
           </a:p>
           <a:p>
             <a:pPr lvl="3"/>
@@ -1458,6 +1436,7 @@
               <a:rPr lang="zh-CN" altLang="en-US"/>
               <a:t>四级</a:t>
             </a:r>
+            <a:endParaRPr lang="zh-CN" altLang="en-US"/>
           </a:p>
           <a:p>
             <a:pPr lvl="4"/>
@@ -1531,6 +1510,7 @@
               <a:rPr lang="zh-CN" altLang="en-US"/>
               <a:t>单击此处编辑母版文本样式</a:t>
             </a:r>
+            <a:endParaRPr lang="zh-CN" altLang="en-US"/>
           </a:p>
         </p:txBody>
       </p:sp>
@@ -1559,6 +1539,7 @@
               <a:rPr lang="zh-CN" altLang="en-US"/>
               <a:t>单击此处编辑母版文本样式</a:t>
             </a:r>
+            <a:endParaRPr lang="zh-CN" altLang="en-US"/>
           </a:p>
           <a:p>
             <a:pPr lvl="1"/>
@@ -1566,6 +1547,7 @@
               <a:rPr lang="zh-CN" altLang="en-US"/>
               <a:t>二级</a:t>
             </a:r>
+            <a:endParaRPr lang="zh-CN" altLang="en-US"/>
           </a:p>
           <a:p>
             <a:pPr lvl="2"/>
@@ -1573,6 +1555,7 @@
               <a:rPr lang="zh-CN" altLang="en-US"/>
               <a:t>三级</a:t>
             </a:r>
+            <a:endParaRPr lang="zh-CN" altLang="en-US"/>
           </a:p>
           <a:p>
             <a:pPr lvl="3"/>
@@ -1580,6 +1563,7 @@
               <a:rPr lang="zh-CN" altLang="en-US"/>
               <a:t>四级</a:t>
             </a:r>
+            <a:endParaRPr lang="zh-CN" altLang="en-US"/>
           </a:p>
           <a:p>
             <a:pPr lvl="4"/>
@@ -1608,7 +1592,6 @@
           <a:p>
             <a:fld id="{1F3E941B-BA81-4403-97EC-52AE1F9F750A}" type="datetimeFigureOut">
               <a:rPr lang="zh-CN" altLang="en-US" smtClean="0"/>
-              <a:t>2023/2/8</a:t>
             </a:fld>
             <a:endParaRPr lang="zh-CN" altLang="en-US"/>
           </a:p>
@@ -1650,18 +1633,12 @@
           <a:p>
             <a:fld id="{7338282E-2EA7-45A9-ACCE-7B37E62BBD30}" type="slidenum">
               <a:rPr lang="zh-CN" altLang="en-US" smtClean="0"/>
-              <a:t>‹#›</a:t>
             </a:fld>
             <a:endParaRPr lang="zh-CN" altLang="en-US"/>
           </a:p>
         </p:txBody>
       </p:sp>
     </p:spTree>
-    <p:extLst>
-      <p:ext uri="{BB962C8B-B14F-4D97-AF65-F5344CB8AC3E}">
-        <p14:creationId xmlns:p14="http://schemas.microsoft.com/office/powerpoint/2010/main" val="1095357016"/>
-      </p:ext>
-    </p:extLst>
   </p:cSld>
   <p:clrMapOvr>
     <a:masterClrMapping/>
@@ -1726,7 +1703,6 @@
           <a:p>
             <a:fld id="{1F3E941B-BA81-4403-97EC-52AE1F9F750A}" type="datetimeFigureOut">
               <a:rPr lang="zh-CN" altLang="en-US" smtClean="0"/>
-              <a:t>2023/2/8</a:t>
             </a:fld>
             <a:endParaRPr lang="zh-CN" altLang="en-US"/>
           </a:p>
@@ -1768,18 +1744,12 @@
           <a:p>
             <a:fld id="{7338282E-2EA7-45A9-ACCE-7B37E62BBD30}" type="slidenum">
               <a:rPr lang="zh-CN" altLang="en-US" smtClean="0"/>
-              <a:t>‹#›</a:t>
             </a:fld>
             <a:endParaRPr lang="zh-CN" altLang="en-US"/>
           </a:p>
         </p:txBody>
       </p:sp>
     </p:spTree>
-    <p:extLst>
-      <p:ext uri="{BB962C8B-B14F-4D97-AF65-F5344CB8AC3E}">
-        <p14:creationId xmlns:p14="http://schemas.microsoft.com/office/powerpoint/2010/main" val="4030025933"/>
-      </p:ext>
-    </p:extLst>
   </p:cSld>
   <p:clrMapOvr>
     <a:masterClrMapping/>
@@ -1821,7 +1791,6 @@
           <a:p>
             <a:fld id="{1F3E941B-BA81-4403-97EC-52AE1F9F750A}" type="datetimeFigureOut">
               <a:rPr lang="zh-CN" altLang="en-US" smtClean="0"/>
-              <a:t>2023/2/8</a:t>
             </a:fld>
             <a:endParaRPr lang="zh-CN" altLang="en-US"/>
           </a:p>
@@ -1863,18 +1832,12 @@
           <a:p>
             <a:fld id="{7338282E-2EA7-45A9-ACCE-7B37E62BBD30}" type="slidenum">
               <a:rPr lang="zh-CN" altLang="en-US" smtClean="0"/>
-              <a:t>‹#›</a:t>
             </a:fld>
             <a:endParaRPr lang="zh-CN" altLang="en-US"/>
           </a:p>
         </p:txBody>
       </p:sp>
     </p:spTree>
-    <p:extLst>
-      <p:ext uri="{BB962C8B-B14F-4D97-AF65-F5344CB8AC3E}">
-        <p14:creationId xmlns:p14="http://schemas.microsoft.com/office/powerpoint/2010/main" val="296128801"/>
-      </p:ext>
-    </p:extLst>
   </p:cSld>
   <p:clrMapOvr>
     <a:masterClrMapping/>
@@ -1984,6 +1947,7 @@
               <a:rPr lang="zh-CN" altLang="en-US"/>
               <a:t>单击此处编辑母版文本样式</a:t>
             </a:r>
+            <a:endParaRPr lang="zh-CN" altLang="en-US"/>
           </a:p>
           <a:p>
             <a:pPr lvl="1"/>
@@ -1991,6 +1955,7 @@
               <a:rPr lang="zh-CN" altLang="en-US"/>
               <a:t>二级</a:t>
             </a:r>
+            <a:endParaRPr lang="zh-CN" altLang="en-US"/>
           </a:p>
           <a:p>
             <a:pPr lvl="2"/>
@@ -1998,6 +1963,7 @@
               <a:rPr lang="zh-CN" altLang="en-US"/>
               <a:t>三级</a:t>
             </a:r>
+            <a:endParaRPr lang="zh-CN" altLang="en-US"/>
           </a:p>
           <a:p>
             <a:pPr lvl="3"/>
@@ -2005,6 +1971,7 @@
               <a:rPr lang="zh-CN" altLang="en-US"/>
               <a:t>四级</a:t>
             </a:r>
+            <a:endParaRPr lang="zh-CN" altLang="en-US"/>
           </a:p>
           <a:p>
             <a:pPr lvl="4"/>
@@ -2078,6 +2045,7 @@
               <a:rPr lang="zh-CN" altLang="en-US"/>
               <a:t>单击此处编辑母版文本样式</a:t>
             </a:r>
+            <a:endParaRPr lang="zh-CN" altLang="en-US"/>
           </a:p>
         </p:txBody>
       </p:sp>
@@ -2098,7 +2066,6 @@
           <a:p>
             <a:fld id="{1F3E941B-BA81-4403-97EC-52AE1F9F750A}" type="datetimeFigureOut">
               <a:rPr lang="zh-CN" altLang="en-US" smtClean="0"/>
-              <a:t>2023/2/8</a:t>
             </a:fld>
             <a:endParaRPr lang="zh-CN" altLang="en-US"/>
           </a:p>
@@ -2140,18 +2107,12 @@
           <a:p>
             <a:fld id="{7338282E-2EA7-45A9-ACCE-7B37E62BBD30}" type="slidenum">
               <a:rPr lang="zh-CN" altLang="en-US" smtClean="0"/>
-              <a:t>‹#›</a:t>
             </a:fld>
             <a:endParaRPr lang="zh-CN" altLang="en-US"/>
           </a:p>
         </p:txBody>
       </p:sp>
     </p:spTree>
-    <p:extLst>
-      <p:ext uri="{BB962C8B-B14F-4D97-AF65-F5344CB8AC3E}">
-        <p14:creationId xmlns:p14="http://schemas.microsoft.com/office/powerpoint/2010/main" val="819735783"/>
-      </p:ext>
-    </p:extLst>
   </p:cSld>
   <p:clrMapOvr>
     <a:masterClrMapping/>
@@ -2335,6 +2296,7 @@
               <a:rPr lang="zh-CN" altLang="en-US"/>
               <a:t>单击此处编辑母版文本样式</a:t>
             </a:r>
+            <a:endParaRPr lang="zh-CN" altLang="en-US"/>
           </a:p>
         </p:txBody>
       </p:sp>
@@ -2355,7 +2317,6 @@
           <a:p>
             <a:fld id="{1F3E941B-BA81-4403-97EC-52AE1F9F750A}" type="datetimeFigureOut">
               <a:rPr lang="zh-CN" altLang="en-US" smtClean="0"/>
-              <a:t>2023/2/8</a:t>
             </a:fld>
             <a:endParaRPr lang="zh-CN" altLang="en-US"/>
           </a:p>
@@ -2397,18 +2358,12 @@
           <a:p>
             <a:fld id="{7338282E-2EA7-45A9-ACCE-7B37E62BBD30}" type="slidenum">
               <a:rPr lang="zh-CN" altLang="en-US" smtClean="0"/>
-              <a:t>‹#›</a:t>
             </a:fld>
             <a:endParaRPr lang="zh-CN" altLang="en-US"/>
           </a:p>
         </p:txBody>
       </p:sp>
     </p:spTree>
-    <p:extLst>
-      <p:ext uri="{BB962C8B-B14F-4D97-AF65-F5344CB8AC3E}">
-        <p14:creationId xmlns:p14="http://schemas.microsoft.com/office/powerpoint/2010/main" val="2511354208"/>
-      </p:ext>
-    </p:extLst>
   </p:cSld>
   <p:clrMapOvr>
     <a:masterClrMapping/>
@@ -2501,6 +2456,7 @@
               <a:rPr lang="zh-CN" altLang="en-US"/>
               <a:t>单击此处编辑母版文本样式</a:t>
             </a:r>
+            <a:endParaRPr lang="zh-CN" altLang="en-US"/>
           </a:p>
           <a:p>
             <a:pPr lvl="1"/>
@@ -2508,6 +2464,7 @@
               <a:rPr lang="zh-CN" altLang="en-US"/>
               <a:t>二级</a:t>
             </a:r>
+            <a:endParaRPr lang="zh-CN" altLang="en-US"/>
           </a:p>
           <a:p>
             <a:pPr lvl="2"/>
@@ -2515,6 +2472,7 @@
               <a:rPr lang="zh-CN" altLang="en-US"/>
               <a:t>三级</a:t>
             </a:r>
+            <a:endParaRPr lang="zh-CN" altLang="en-US"/>
           </a:p>
           <a:p>
             <a:pPr lvl="3"/>
@@ -2522,6 +2480,7 @@
               <a:rPr lang="zh-CN" altLang="en-US"/>
               <a:t>四级</a:t>
             </a:r>
+            <a:endParaRPr lang="zh-CN" altLang="en-US"/>
           </a:p>
           <a:p>
             <a:pPr lvl="4"/>
@@ -2568,7 +2527,6 @@
           <a:p>
             <a:fld id="{1F3E941B-BA81-4403-97EC-52AE1F9F750A}" type="datetimeFigureOut">
               <a:rPr lang="zh-CN" altLang="en-US" smtClean="0"/>
-              <a:t>2023/2/8</a:t>
             </a:fld>
             <a:endParaRPr lang="zh-CN" altLang="en-US"/>
           </a:p>
@@ -2646,32 +2604,26 @@
           <a:p>
             <a:fld id="{7338282E-2EA7-45A9-ACCE-7B37E62BBD30}" type="slidenum">
               <a:rPr lang="zh-CN" altLang="en-US" smtClean="0"/>
-              <a:t>‹#›</a:t>
             </a:fld>
             <a:endParaRPr lang="zh-CN" altLang="en-US"/>
           </a:p>
         </p:txBody>
       </p:sp>
     </p:spTree>
-    <p:extLst>
-      <p:ext uri="{BB962C8B-B14F-4D97-AF65-F5344CB8AC3E}">
-        <p14:creationId xmlns:p14="http://schemas.microsoft.com/office/powerpoint/2010/main" val="3258538116"/>
-      </p:ext>
-    </p:extLst>
   </p:cSld>
   <p:clrMap bg1="lt1" tx1="dk1" bg2="lt2" tx2="dk2" accent1="accent1" accent2="accent2" accent3="accent3" accent4="accent4" accent5="accent5" accent6="accent6" hlink="hlink" folHlink="folHlink"/>
   <p:sldLayoutIdLst>
-    <p:sldLayoutId id="2147483673" r:id="rId1"/>
-    <p:sldLayoutId id="2147483674" r:id="rId2"/>
-    <p:sldLayoutId id="2147483675" r:id="rId3"/>
-    <p:sldLayoutId id="2147483676" r:id="rId4"/>
-    <p:sldLayoutId id="2147483677" r:id="rId5"/>
-    <p:sldLayoutId id="2147483678" r:id="rId6"/>
-    <p:sldLayoutId id="2147483679" r:id="rId7"/>
-    <p:sldLayoutId id="2147483680" r:id="rId8"/>
-    <p:sldLayoutId id="2147483681" r:id="rId9"/>
-    <p:sldLayoutId id="2147483682" r:id="rId10"/>
-    <p:sldLayoutId id="2147483683" r:id="rId11"/>
+    <p:sldLayoutId id="2147483649" r:id="rId1"/>
+    <p:sldLayoutId id="2147483650" r:id="rId2"/>
+    <p:sldLayoutId id="2147483651" r:id="rId3"/>
+    <p:sldLayoutId id="2147483652" r:id="rId4"/>
+    <p:sldLayoutId id="2147483653" r:id="rId5"/>
+    <p:sldLayoutId id="2147483654" r:id="rId6"/>
+    <p:sldLayoutId id="2147483655" r:id="rId7"/>
+    <p:sldLayoutId id="2147483656" r:id="rId8"/>
+    <p:sldLayoutId id="2147483657" r:id="rId9"/>
+    <p:sldLayoutId id="2147483658" r:id="rId10"/>
+    <p:sldLayoutId id="2147483659" r:id="rId11"/>
   </p:sldLayoutIdLst>
   <p:txStyles>
     <p:titleStyle>
@@ -2975,20 +2927,14 @@
       </p:grpSpPr>
       <p:pic>
         <p:nvPicPr>
-          <p:cNvPr id="7" name="图片 6" descr="图表&#10;&#10;描述已自动生成">
-            <a:extLst>
-              <a:ext uri="{FF2B5EF4-FFF2-40B4-BE49-F238E27FC236}">
-                <a16:creationId xmlns:a16="http://schemas.microsoft.com/office/drawing/2014/main" id="{DED996E7-9C69-4A34-9033-A143B398E204}"/>
-              </a:ext>
-            </a:extLst>
-          </p:cNvPr>
+          <p:cNvPr id="7" name="图片 6" descr="图表&#10;&#10;描述已自动生成"/>
           <p:cNvPicPr>
             <a:picLocks noChangeAspect="1"/>
           </p:cNvPicPr>
           <p:nvPr/>
         </p:nvPicPr>
         <p:blipFill>
-          <a:blip r:embed="rId2">
+          <a:blip r:embed="rId1">
             <a:extLst>
               <a:ext uri="{28A0092B-C50C-407E-A947-70E740481C1C}">
                 <a14:useLocalDpi xmlns:a14="http://schemas.microsoft.com/office/drawing/2010/main" val="0"/>
@@ -3018,13 +2964,45 @@
       </p:pic>
       <p:pic>
         <p:nvPicPr>
-          <p:cNvPr id="9" name="图片 8" descr="图表&#10;&#10;描述已自动生成">
+          <p:cNvPr id="9" name="图片 8" descr="图表&#10;&#10;描述已自动生成"/>
+          <p:cNvPicPr>
+            <a:picLocks noChangeAspect="1"/>
+          </p:cNvPicPr>
+          <p:nvPr/>
+        </p:nvPicPr>
+        <p:blipFill rotWithShape="1">
+          <a:blip r:embed="rId2">
             <a:extLst>
-              <a:ext uri="{FF2B5EF4-FFF2-40B4-BE49-F238E27FC236}">
-                <a16:creationId xmlns:a16="http://schemas.microsoft.com/office/drawing/2014/main" id="{F5842149-1B30-4F37-8C19-3B9523FC6DA2}"/>
+              <a:ext uri="{28A0092B-C50C-407E-A947-70E740481C1C}">
+                <a14:useLocalDpi xmlns:a14="http://schemas.microsoft.com/office/drawing/2010/main" val="0"/>
               </a:ext>
             </a:extLst>
-          </p:cNvPr>
+          </a:blip>
+          <a:srcRect l="1241" r="6114"/>
+          <a:stretch>
+            <a:fillRect/>
+          </a:stretch>
+        </p:blipFill>
+        <p:spPr>
+          <a:xfrm>
+            <a:off x="336842" y="3424566"/>
+            <a:ext cx="3832348" cy="2828071"/>
+          </a:xfrm>
+          <a:prstGeom prst="rect">
+            <a:avLst/>
+          </a:prstGeom>
+          <a:ln>
+            <a:solidFill>
+              <a:schemeClr val="bg1">
+                <a:lumMod val="50000"/>
+              </a:schemeClr>
+            </a:solidFill>
+          </a:ln>
+        </p:spPr>
+      </p:pic>
+      <p:pic>
+        <p:nvPicPr>
+          <p:cNvPr id="12" name="图片 11" descr="图表&#10;&#10;描述已自动生成"/>
           <p:cNvPicPr>
             <a:picLocks noChangeAspect="1"/>
           </p:cNvPicPr>
@@ -3038,13 +3016,15 @@
               </a:ext>
             </a:extLst>
           </a:blip>
-          <a:srcRect l="1241" r="6114"/>
-          <a:stretch/>
+          <a:srcRect l="2524" t="748" r="2450"/>
+          <a:stretch>
+            <a:fillRect/>
+          </a:stretch>
         </p:blipFill>
         <p:spPr>
           <a:xfrm>
-            <a:off x="336842" y="3424566"/>
-            <a:ext cx="3832348" cy="2828071"/>
+            <a:off x="4377338" y="294082"/>
+            <a:ext cx="3847465" cy="2837730"/>
           </a:xfrm>
           <a:prstGeom prst="rect">
             <a:avLst/>
@@ -3060,13 +3040,7 @@
       </p:pic>
       <p:pic>
         <p:nvPicPr>
-          <p:cNvPr id="12" name="图片 11" descr="图表&#10;&#10;描述已自动生成">
-            <a:extLst>
-              <a:ext uri="{FF2B5EF4-FFF2-40B4-BE49-F238E27FC236}">
-                <a16:creationId xmlns:a16="http://schemas.microsoft.com/office/drawing/2014/main" id="{79DB386C-5369-4BED-9ECA-40D281C59243}"/>
-              </a:ext>
-            </a:extLst>
-          </p:cNvPr>
+          <p:cNvPr id="14" name="图片 13" descr="图表, 地图&#10;&#10;中度可信度描述已自动生成"/>
           <p:cNvPicPr>
             <a:picLocks noChangeAspect="1"/>
           </p:cNvPicPr>
@@ -3080,13 +3054,15 @@
               </a:ext>
             </a:extLst>
           </a:blip>
-          <a:srcRect l="2524" t="748" r="2450"/>
-          <a:stretch/>
+          <a:srcRect l="3075" t="773" r="2002" b="1356"/>
+          <a:stretch>
+            <a:fillRect/>
+          </a:stretch>
         </p:blipFill>
         <p:spPr>
           <a:xfrm>
-            <a:off x="4377338" y="294082"/>
-            <a:ext cx="3847465" cy="2837730"/>
+            <a:off x="4377338" y="3424566"/>
+            <a:ext cx="3847465" cy="2829437"/>
           </a:xfrm>
           <a:prstGeom prst="rect">
             <a:avLst/>
@@ -3102,13 +3078,7 @@
       </p:pic>
       <p:pic>
         <p:nvPicPr>
-          <p:cNvPr id="14" name="图片 13" descr="图表, 地图&#10;&#10;中度可信度描述已自动生成">
-            <a:extLst>
-              <a:ext uri="{FF2B5EF4-FFF2-40B4-BE49-F238E27FC236}">
-                <a16:creationId xmlns:a16="http://schemas.microsoft.com/office/drawing/2014/main" id="{A99D5B27-E5BF-4DCC-9FED-78DC5F1BE41C}"/>
-              </a:ext>
-            </a:extLst>
-          </p:cNvPr>
+          <p:cNvPr id="16" name="图片 15" descr="图表&#10;&#10;描述已自动生成"/>
           <p:cNvPicPr>
             <a:picLocks noChangeAspect="1"/>
           </p:cNvPicPr>
@@ -3122,13 +3092,15 @@
               </a:ext>
             </a:extLst>
           </a:blip>
-          <a:srcRect l="3075" t="773" r="2002" b="1356"/>
-          <a:stretch/>
+          <a:srcRect l="1367" t="813" r="1634" b="890"/>
+          <a:stretch>
+            <a:fillRect/>
+          </a:stretch>
         </p:blipFill>
         <p:spPr>
           <a:xfrm>
-            <a:off x="4377338" y="3424566"/>
-            <a:ext cx="3847465" cy="2829437"/>
+            <a:off x="8432951" y="294082"/>
+            <a:ext cx="3836358" cy="2837730"/>
           </a:xfrm>
           <a:prstGeom prst="rect">
             <a:avLst/>
@@ -3144,13 +3116,7 @@
       </p:pic>
       <p:pic>
         <p:nvPicPr>
-          <p:cNvPr id="16" name="图片 15" descr="图表&#10;&#10;描述已自动生成">
-            <a:extLst>
-              <a:ext uri="{FF2B5EF4-FFF2-40B4-BE49-F238E27FC236}">
-                <a16:creationId xmlns:a16="http://schemas.microsoft.com/office/drawing/2014/main" id="{1A481D12-2C16-4116-AD48-E6AB94081EBF}"/>
-              </a:ext>
-            </a:extLst>
-          </p:cNvPr>
+          <p:cNvPr id="18" name="图片 17" descr="图表&#10;&#10;描述已自动生成"/>
           <p:cNvPicPr>
             <a:picLocks noChangeAspect="1"/>
           </p:cNvPicPr>
@@ -3164,13 +3130,15 @@
               </a:ext>
             </a:extLst>
           </a:blip>
-          <a:srcRect l="1367" t="813" r="1634" b="890"/>
-          <a:stretch/>
+          <a:srcRect l="1635" r="663" b="494"/>
+          <a:stretch>
+            <a:fillRect/>
+          </a:stretch>
         </p:blipFill>
         <p:spPr>
           <a:xfrm>
-            <a:off x="8432951" y="294082"/>
-            <a:ext cx="3836358" cy="2837730"/>
+            <a:off x="8432952" y="3424566"/>
+            <a:ext cx="3847466" cy="2839361"/>
           </a:xfrm>
           <a:prstGeom prst="rect">
             <a:avLst/>
@@ -3184,57 +3152,9 @@
           </a:ln>
         </p:spPr>
       </p:pic>
-      <p:pic>
-        <p:nvPicPr>
-          <p:cNvPr id="18" name="图片 17" descr="图表&#10;&#10;描述已自动生成">
-            <a:extLst>
-              <a:ext uri="{FF2B5EF4-FFF2-40B4-BE49-F238E27FC236}">
-                <a16:creationId xmlns:a16="http://schemas.microsoft.com/office/drawing/2014/main" id="{F5ABC936-92D7-41A6-9380-313693D9DD6A}"/>
-              </a:ext>
-            </a:extLst>
-          </p:cNvPr>
-          <p:cNvPicPr>
-            <a:picLocks noChangeAspect="1"/>
-          </p:cNvPicPr>
-          <p:nvPr/>
-        </p:nvPicPr>
-        <p:blipFill rotWithShape="1">
-          <a:blip r:embed="rId7">
-            <a:extLst>
-              <a:ext uri="{28A0092B-C50C-407E-A947-70E740481C1C}">
-                <a14:useLocalDpi xmlns:a14="http://schemas.microsoft.com/office/drawing/2010/main" val="0"/>
-              </a:ext>
-            </a:extLst>
-          </a:blip>
-          <a:srcRect l="1635" r="663" b="494"/>
-          <a:stretch/>
-        </p:blipFill>
-        <p:spPr>
-          <a:xfrm>
-            <a:off x="8432952" y="3424566"/>
-            <a:ext cx="3847466" cy="2839361"/>
-          </a:xfrm>
-          <a:prstGeom prst="rect">
-            <a:avLst/>
-          </a:prstGeom>
-          <a:ln>
-            <a:solidFill>
-              <a:schemeClr val="bg1">
-                <a:lumMod val="50000"/>
-              </a:schemeClr>
-            </a:solidFill>
-          </a:ln>
-        </p:spPr>
-      </p:pic>
-      <p:sp>
-        <p:nvSpPr>
-          <p:cNvPr id="19" name="文本框 18">
-            <a:extLst>
-              <a:ext uri="{FF2B5EF4-FFF2-40B4-BE49-F238E27FC236}">
-                <a16:creationId xmlns:a16="http://schemas.microsoft.com/office/drawing/2014/main" id="{9926092C-4F86-43EA-8EA4-35056E1EDD6E}"/>
-              </a:ext>
-            </a:extLst>
-          </p:cNvPr>
+      <p:sp>
+        <p:nvSpPr>
+          <p:cNvPr id="19" name="文本框 18"/>
           <p:cNvSpPr txBox="1"/>
           <p:nvPr/>
         </p:nvSpPr>
@@ -3270,13 +3190,7 @@
       </p:sp>
       <p:sp>
         <p:nvSpPr>
-          <p:cNvPr id="24" name="矩形 23">
-            <a:extLst>
-              <a:ext uri="{FF2B5EF4-FFF2-40B4-BE49-F238E27FC236}">
-                <a16:creationId xmlns:a16="http://schemas.microsoft.com/office/drawing/2014/main" id="{8308C8FA-D232-4C13-8954-1E99C87A9E4E}"/>
-              </a:ext>
-            </a:extLst>
-          </p:cNvPr>
+          <p:cNvPr id="24" name="矩形 23"/>
           <p:cNvSpPr/>
           <p:nvPr/>
         </p:nvSpPr>
@@ -3340,13 +3254,7 @@
       </p:sp>
       <p:sp>
         <p:nvSpPr>
-          <p:cNvPr id="25" name="文本框 24">
-            <a:extLst>
-              <a:ext uri="{FF2B5EF4-FFF2-40B4-BE49-F238E27FC236}">
-                <a16:creationId xmlns:a16="http://schemas.microsoft.com/office/drawing/2014/main" id="{9DA044D5-9072-48D6-BFBD-85546935A116}"/>
-              </a:ext>
-            </a:extLst>
-          </p:cNvPr>
+          <p:cNvPr id="25" name="文本框 24"/>
           <p:cNvSpPr txBox="1"/>
           <p:nvPr/>
         </p:nvSpPr>
@@ -3373,6 +3281,10 @@
               </a:rPr>
               <a:t>Real-time</a:t>
             </a:r>
+            <a:endParaRPr lang="en-US" altLang="zh-CN" sz="2400" dirty="0">
+              <a:latin typeface="Times New Roman" panose="02020603050405020304" pitchFamily="18" charset="0"/>
+              <a:cs typeface="Times New Roman" panose="02020603050405020304" pitchFamily="18" charset="0"/>
+            </a:endParaRPr>
           </a:p>
           <a:p>
             <a:r>
@@ -3391,13 +3303,7 @@
       </p:sp>
       <p:sp>
         <p:nvSpPr>
-          <p:cNvPr id="26" name="文本框 25">
-            <a:extLst>
-              <a:ext uri="{FF2B5EF4-FFF2-40B4-BE49-F238E27FC236}">
-                <a16:creationId xmlns:a16="http://schemas.microsoft.com/office/drawing/2014/main" id="{A0D7F249-BBCD-4940-A2EF-BBB0CA917DE1}"/>
-              </a:ext>
-            </a:extLst>
-          </p:cNvPr>
+          <p:cNvPr id="26" name="文本框 25"/>
           <p:cNvSpPr txBox="1"/>
           <p:nvPr/>
         </p:nvSpPr>
@@ -3439,13 +3345,7 @@
       </p:sp>
       <p:sp>
         <p:nvSpPr>
-          <p:cNvPr id="27" name="文本框 26">
-            <a:extLst>
-              <a:ext uri="{FF2B5EF4-FFF2-40B4-BE49-F238E27FC236}">
-                <a16:creationId xmlns:a16="http://schemas.microsoft.com/office/drawing/2014/main" id="{37702849-79F8-41EF-A264-26D6903A42F1}"/>
-              </a:ext>
-            </a:extLst>
-          </p:cNvPr>
+          <p:cNvPr id="27" name="文本框 26"/>
           <p:cNvSpPr txBox="1"/>
           <p:nvPr/>
         </p:nvSpPr>
@@ -3487,13 +3387,7 @@
       </p:sp>
       <p:sp>
         <p:nvSpPr>
-          <p:cNvPr id="28" name="文本框 27">
-            <a:extLst>
-              <a:ext uri="{FF2B5EF4-FFF2-40B4-BE49-F238E27FC236}">
-                <a16:creationId xmlns:a16="http://schemas.microsoft.com/office/drawing/2014/main" id="{80C0F7CD-6B7D-4BD7-9372-F574CE20F412}"/>
-              </a:ext>
-            </a:extLst>
-          </p:cNvPr>
+          <p:cNvPr id="28" name="文本框 27"/>
           <p:cNvSpPr txBox="1"/>
           <p:nvPr/>
         </p:nvSpPr>
@@ -3535,13 +3429,7 @@
       </p:sp>
       <p:sp>
         <p:nvSpPr>
-          <p:cNvPr id="29" name="文本框 28">
-            <a:extLst>
-              <a:ext uri="{FF2B5EF4-FFF2-40B4-BE49-F238E27FC236}">
-                <a16:creationId xmlns:a16="http://schemas.microsoft.com/office/drawing/2014/main" id="{8E250277-ADBE-4FBD-A502-862E123051E5}"/>
-              </a:ext>
-            </a:extLst>
-          </p:cNvPr>
+          <p:cNvPr id="29" name="文本框 28"/>
           <p:cNvSpPr txBox="1"/>
           <p:nvPr/>
         </p:nvSpPr>
@@ -3583,13 +3471,7 @@
       </p:sp>
       <p:sp>
         <p:nvSpPr>
-          <p:cNvPr id="30" name="文本框 29">
-            <a:extLst>
-              <a:ext uri="{FF2B5EF4-FFF2-40B4-BE49-F238E27FC236}">
-                <a16:creationId xmlns:a16="http://schemas.microsoft.com/office/drawing/2014/main" id="{D9924A33-2430-4FB4-BF34-DA4F322A31C5}"/>
-              </a:ext>
-            </a:extLst>
-          </p:cNvPr>
+          <p:cNvPr id="30" name="文本框 29"/>
           <p:cNvSpPr txBox="1"/>
           <p:nvPr/>
         </p:nvSpPr>
@@ -3625,20 +3507,14 @@
       </p:sp>
       <p:sp>
         <p:nvSpPr>
-          <p:cNvPr id="31" name="文本框 30">
-            <a:extLst>
-              <a:ext uri="{FF2B5EF4-FFF2-40B4-BE49-F238E27FC236}">
-                <a16:creationId xmlns:a16="http://schemas.microsoft.com/office/drawing/2014/main" id="{8B3B4048-5F7B-4FE7-A4F2-D031C3B6F7BF}"/>
-              </a:ext>
-            </a:extLst>
-          </p:cNvPr>
+          <p:cNvPr id="31" name="文本框 30"/>
           <p:cNvSpPr txBox="1"/>
           <p:nvPr/>
         </p:nvSpPr>
         <p:spPr>
           <a:xfrm>
-            <a:off x="9840679" y="6333085"/>
-            <a:ext cx="1020902" cy="461665"/>
+            <a:off x="10001250" y="6332855"/>
+            <a:ext cx="749935" cy="460375"/>
           </a:xfrm>
           <a:prstGeom prst="rect">
             <a:avLst/>
@@ -3656,9 +3532,9 @@
                 <a:latin typeface="Times New Roman" panose="02020603050405020304" pitchFamily="18" charset="0"/>
                 <a:cs typeface="Times New Roman" panose="02020603050405020304" pitchFamily="18" charset="0"/>
               </a:rPr>
-              <a:t>ARNM</a:t>
-            </a:r>
-            <a:endParaRPr lang="zh-CN" altLang="en-US" sz="2400" i="1" dirty="0">
+              <a:t>IPP</a:t>
+            </a:r>
+            <a:endParaRPr lang="en-US" altLang="zh-CN" sz="2400" i="1" dirty="0">
               <a:latin typeface="Times New Roman" panose="02020603050405020304" pitchFamily="18" charset="0"/>
               <a:cs typeface="Times New Roman" panose="02020603050405020304" pitchFamily="18" charset="0"/>
             </a:endParaRPr>
@@ -3667,13 +3543,7 @@
       </p:sp>
       <p:sp>
         <p:nvSpPr>
-          <p:cNvPr id="32" name="文本框 31">
-            <a:extLst>
-              <a:ext uri="{FF2B5EF4-FFF2-40B4-BE49-F238E27FC236}">
-                <a16:creationId xmlns:a16="http://schemas.microsoft.com/office/drawing/2014/main" id="{6C2F1A09-564D-4ECE-86AB-3F0D1E47E5EC}"/>
-              </a:ext>
-            </a:extLst>
-          </p:cNvPr>
+          <p:cNvPr id="32" name="文本框 31"/>
           <p:cNvSpPr txBox="1"/>
           <p:nvPr/>
         </p:nvSpPr>
@@ -3715,13 +3585,7 @@
       </p:sp>
       <p:sp>
         <p:nvSpPr>
-          <p:cNvPr id="33" name="文本框 32">
-            <a:extLst>
-              <a:ext uri="{FF2B5EF4-FFF2-40B4-BE49-F238E27FC236}">
-                <a16:creationId xmlns:a16="http://schemas.microsoft.com/office/drawing/2014/main" id="{504B9C47-4194-4456-B574-BFD6818E2B38}"/>
-              </a:ext>
-            </a:extLst>
-          </p:cNvPr>
+          <p:cNvPr id="33" name="文本框 32"/>
           <p:cNvSpPr txBox="1"/>
           <p:nvPr/>
         </p:nvSpPr>
@@ -3763,13 +3627,7 @@
       </p:sp>
       <p:sp>
         <p:nvSpPr>
-          <p:cNvPr id="34" name="文本框 33">
-            <a:extLst>
-              <a:ext uri="{FF2B5EF4-FFF2-40B4-BE49-F238E27FC236}">
-                <a16:creationId xmlns:a16="http://schemas.microsoft.com/office/drawing/2014/main" id="{D5AC1DF3-4993-456D-8BCA-0820F323E0CB}"/>
-              </a:ext>
-            </a:extLst>
-          </p:cNvPr>
+          <p:cNvPr id="34" name="文本框 33"/>
           <p:cNvSpPr txBox="1"/>
           <p:nvPr/>
         </p:nvSpPr>
@@ -3805,13 +3663,7 @@
       </p:sp>
       <p:sp>
         <p:nvSpPr>
-          <p:cNvPr id="35" name="文本框 34">
-            <a:extLst>
-              <a:ext uri="{FF2B5EF4-FFF2-40B4-BE49-F238E27FC236}">
-                <a16:creationId xmlns:a16="http://schemas.microsoft.com/office/drawing/2014/main" id="{F0B94A13-7D6D-44A3-8454-2B17272CD815}"/>
-              </a:ext>
-            </a:extLst>
-          </p:cNvPr>
+          <p:cNvPr id="35" name="文本框 34"/>
           <p:cNvSpPr txBox="1"/>
           <p:nvPr/>
         </p:nvSpPr>
@@ -3847,13 +3699,7 @@
       </p:sp>
       <p:sp>
         <p:nvSpPr>
-          <p:cNvPr id="36" name="文本框 35">
-            <a:extLst>
-              <a:ext uri="{FF2B5EF4-FFF2-40B4-BE49-F238E27FC236}">
-                <a16:creationId xmlns:a16="http://schemas.microsoft.com/office/drawing/2014/main" id="{FE97D717-9EF4-4B82-93FD-85E9D657E40F}"/>
-              </a:ext>
-            </a:extLst>
-          </p:cNvPr>
+          <p:cNvPr id="36" name="文本框 35"/>
           <p:cNvSpPr txBox="1"/>
           <p:nvPr/>
         </p:nvSpPr>
@@ -3889,13 +3735,7 @@
       </p:sp>
       <p:sp>
         <p:nvSpPr>
-          <p:cNvPr id="37" name="文本框 36">
-            <a:extLst>
-              <a:ext uri="{FF2B5EF4-FFF2-40B4-BE49-F238E27FC236}">
-                <a16:creationId xmlns:a16="http://schemas.microsoft.com/office/drawing/2014/main" id="{C8A51B28-0108-4093-A5EE-CC08C9DE3285}"/>
-              </a:ext>
-            </a:extLst>
-          </p:cNvPr>
+          <p:cNvPr id="37" name="文本框 36"/>
           <p:cNvSpPr txBox="1"/>
           <p:nvPr/>
         </p:nvSpPr>
@@ -3931,13 +3771,7 @@
       </p:sp>
       <p:sp>
         <p:nvSpPr>
-          <p:cNvPr id="38" name="文本框 37">
-            <a:extLst>
-              <a:ext uri="{FF2B5EF4-FFF2-40B4-BE49-F238E27FC236}">
-                <a16:creationId xmlns:a16="http://schemas.microsoft.com/office/drawing/2014/main" id="{06185CE9-FC2D-4759-BAE5-655E6F651ECB}"/>
-              </a:ext>
-            </a:extLst>
-          </p:cNvPr>
+          <p:cNvPr id="38" name="文本框 37"/>
           <p:cNvSpPr txBox="1"/>
           <p:nvPr/>
         </p:nvSpPr>
@@ -3972,11 +3806,6 @@
         </p:txBody>
       </p:sp>
     </p:spTree>
-    <p:extLst>
-      <p:ext uri="{BB962C8B-B14F-4D97-AF65-F5344CB8AC3E}">
-        <p14:creationId xmlns:p14="http://schemas.microsoft.com/office/powerpoint/2010/main" val="805763539"/>
-      </p:ext>
-    </p:extLst>
   </p:cSld>
   <p:clrMapOvr>
     <a:masterClrMapping/>
@@ -4027,7 +3856,7 @@
     </a:clrScheme>
     <a:fontScheme name="Office 主题​​">
       <a:majorFont>
-        <a:latin typeface="Calibri Light" panose="020F0302020204030204"/>
+        <a:latin typeface="Calibri Light"/>
         <a:ea typeface=""/>
         <a:cs typeface=""/>
         <a:font script="Jpan" typeface="游ゴシック Light"/>
@@ -4062,7 +3891,7 @@
         <a:font script="Geor" typeface="Sylfaen"/>
       </a:majorFont>
       <a:minorFont>
-        <a:latin typeface="Calibri" panose="020F0502020204030204"/>
+        <a:latin typeface="Calibri"/>
         <a:ea typeface=""/>
         <a:cs typeface=""/>
         <a:font script="Jpan" typeface="游ゴシック"/>
@@ -4235,8 +4064,6 @@
       </a:bgFillStyleLst>
     </a:fmtScheme>
   </a:themeElements>
-  <a:objectDefaults/>
-  <a:extraClrSchemeLst/>
   <a:extLst>
     <a:ext uri="{05A4C25C-085E-4340-85A3-A5531E510DB2}">
       <thm15:themeFamily xmlns:thm15="http://schemas.microsoft.com/office/thememl/2012/main" name="Office Theme" id="{62F939B6-93AF-4DB8-9C6B-D6C7DFDC589F}" vid="{4A3C46E8-61CC-4603-A589-7422A47A8E4A}"/>
